--- a/스크립트언어기획/스언어 텀프.pptx
+++ b/스크립트언어기획/스언어 텀프.pptx
@@ -3436,7 +3436,7 @@
           <a:p>
             <a:fld id="{8379E0B2-A45A-460E-847E-49AE12B2F47F}" type="datetimeFigureOut">
               <a:rPr lang="ko-KR" altLang="en-US" smtClean="0"/>
-              <a:t>2019-05-14</a:t>
+              <a:t>2019-05-26</a:t>
             </a:fld>
             <a:endParaRPr lang="ko-KR" altLang="en-US"/>
           </a:p>
@@ -3842,7 +3842,7 @@
           <a:p>
             <a:fld id="{1D5BF083-DFB8-45A7-AAF0-12D5F22990C3}" type="datetime1">
               <a:rPr lang="ko-KR" altLang="en-US" smtClean="0"/>
-              <a:t>2019-05-14</a:t>
+              <a:t>2019-05-26</a:t>
             </a:fld>
             <a:endParaRPr lang="ko-KR" altLang="en-US"/>
           </a:p>
@@ -4053,7 +4053,7 @@
           <a:p>
             <a:fld id="{EB2591F6-CE41-47B0-9610-232717C6F4B0}" type="datetime1">
               <a:rPr lang="ko-KR" altLang="en-US" smtClean="0"/>
-              <a:t>2019-05-14</a:t>
+              <a:t>2019-05-26</a:t>
             </a:fld>
             <a:endParaRPr lang="ko-KR" altLang="en-US"/>
           </a:p>
@@ -4268,7 +4268,7 @@
           <a:p>
             <a:fld id="{B3DEFD83-BEF5-4679-BD91-620CBC2DB64A}" type="datetime1">
               <a:rPr lang="ko-KR" altLang="en-US" smtClean="0"/>
-              <a:t>2019-05-14</a:t>
+              <a:t>2019-05-26</a:t>
             </a:fld>
             <a:endParaRPr lang="ko-KR" altLang="en-US"/>
           </a:p>
@@ -4469,7 +4469,7 @@
           <a:p>
             <a:fld id="{AE211D35-B81D-41FE-8639-F3D1C43D25EC}" type="datetime1">
               <a:rPr lang="ko-KR" altLang="en-US" smtClean="0"/>
-              <a:t>2019-05-14</a:t>
+              <a:t>2019-05-26</a:t>
             </a:fld>
             <a:endParaRPr lang="ko-KR" altLang="en-US"/>
           </a:p>
@@ -4748,7 +4748,7 @@
           <a:p>
             <a:fld id="{1CED483F-7F0D-404D-BDCB-2B8BECB04475}" type="datetime1">
               <a:rPr lang="ko-KR" altLang="en-US" smtClean="0"/>
-              <a:t>2019-05-14</a:t>
+              <a:t>2019-05-26</a:t>
             </a:fld>
             <a:endParaRPr lang="ko-KR" altLang="en-US"/>
           </a:p>
@@ -5016,7 +5016,7 @@
           <a:p>
             <a:fld id="{C5912FE6-8EBD-45C0-9AB5-2ACED8DABF81}" type="datetime1">
               <a:rPr lang="ko-KR" altLang="en-US" smtClean="0"/>
-              <a:t>2019-05-14</a:t>
+              <a:t>2019-05-26</a:t>
             </a:fld>
             <a:endParaRPr lang="ko-KR" altLang="en-US"/>
           </a:p>
@@ -5432,7 +5432,7 @@
           <a:p>
             <a:fld id="{5C7FC1A3-0D22-4B9B-A30E-CE88CCD324DD}" type="datetime1">
               <a:rPr lang="ko-KR" altLang="en-US" smtClean="0"/>
-              <a:t>2019-05-14</a:t>
+              <a:t>2019-05-26</a:t>
             </a:fld>
             <a:endParaRPr lang="ko-KR" altLang="en-US"/>
           </a:p>
@@ -5581,7 +5581,7 @@
           <a:p>
             <a:fld id="{6935E0CC-AF51-4256-94EF-40FA4F326DD5}" type="datetime1">
               <a:rPr lang="ko-KR" altLang="en-US" smtClean="0"/>
-              <a:t>2019-05-14</a:t>
+              <a:t>2019-05-26</a:t>
             </a:fld>
             <a:endParaRPr lang="ko-KR" altLang="en-US"/>
           </a:p>
@@ -5707,7 +5707,7 @@
           <a:p>
             <a:fld id="{D364CA07-4A59-4809-8935-E8006ADA5D81}" type="datetime1">
               <a:rPr lang="ko-KR" altLang="en-US" smtClean="0"/>
-              <a:t>2019-05-14</a:t>
+              <a:t>2019-05-26</a:t>
             </a:fld>
             <a:endParaRPr lang="ko-KR" altLang="en-US"/>
           </a:p>
@@ -5958,7 +5958,7 @@
           <a:p>
             <a:fld id="{327D9D53-B7FA-4A6D-A351-9A399B637754}" type="datetime1">
               <a:rPr lang="ko-KR" altLang="en-US" smtClean="0"/>
-              <a:t>2019-05-14</a:t>
+              <a:t>2019-05-26</a:t>
             </a:fld>
             <a:endParaRPr lang="ko-KR" altLang="en-US"/>
           </a:p>
@@ -6403,7 +6403,7 @@
           <a:p>
             <a:fld id="{6E292D9D-78AE-4AEF-ADA1-F3D110EFC835}" type="datetime1">
               <a:rPr lang="ko-KR" altLang="en-US" smtClean="0"/>
-              <a:t>2019-05-14</a:t>
+              <a:t>2019-05-26</a:t>
             </a:fld>
             <a:endParaRPr lang="ko-KR" altLang="en-US"/>
           </a:p>
@@ -6730,7 +6730,7 @@
           <a:p>
             <a:fld id="{4D0F92F3-5C80-47F6-A383-A56525EF829E}" type="datetime1">
               <a:rPr lang="ko-KR" altLang="en-US" smtClean="0"/>
-              <a:t>2019-05-14</a:t>
+              <a:t>2019-05-26</a:t>
             </a:fld>
             <a:endParaRPr lang="ko-KR" altLang="en-US"/>
           </a:p>
@@ -10717,7 +10717,7 @@
             <p:ph idx="1"/>
             <p:extLst>
               <p:ext uri="{D42A27DB-BD31-4B8C-83A1-F6EECF244321}">
-                <p14:modId xmlns:p14="http://schemas.microsoft.com/office/powerpoint/2010/main" val="3834939219"/>
+                <p14:modId xmlns:p14="http://schemas.microsoft.com/office/powerpoint/2010/main" val="1376057342"/>
               </p:ext>
             </p:extLst>
           </p:nvPr>
@@ -10981,7 +10981,7 @@
                     <a:p>
                       <a:pPr algn="ctr" latinLnBrk="1"/>
                       <a:r>
-                        <a:rPr lang="ko-KR" altLang="en-US" sz="1700"/>
+                        <a:rPr lang="ko-KR" altLang="en-US" sz="1700" dirty="0"/>
                         <a:t>관광 자원 리스트 검색 기능 구현</a:t>
                       </a:r>
                     </a:p>
@@ -11034,10 +11034,26 @@
                     <a:bodyPr/>
                     <a:lstStyle/>
                     <a:p>
-                      <a:pPr algn="ctr" latinLnBrk="1"/>
+                      <a:pPr marL="0" marR="0" lvl="0" indent="0" algn="ctr" defTabSz="914400" rtl="0" eaLnBrk="1" fontAlgn="auto" latinLnBrk="1" hangingPunct="1">
+                        <a:lnSpc>
+                          <a:spcPct val="100000"/>
+                        </a:lnSpc>
+                        <a:spcBef>
+                          <a:spcPts val="0"/>
+                        </a:spcBef>
+                        <a:spcAft>
+                          <a:spcPts val="0"/>
+                        </a:spcAft>
+                        <a:buClrTx/>
+                        <a:buSzTx/>
+                        <a:buFontTx/>
+                        <a:buNone/>
+                        <a:tabLst/>
+                        <a:defRPr/>
+                      </a:pPr>
                       <a:r>
-                        <a:rPr lang="ko-KR" altLang="en-US" sz="1700"/>
-                        <a:t>관광 자원 상세 정보 조회 구현</a:t>
+                        <a:rPr lang="ko-KR" altLang="en-US" sz="1700" dirty="0"/>
+                        <a:t>중간발표 준비</a:t>
                       </a:r>
                     </a:p>
                   </a:txBody>
@@ -11091,8 +11107,8 @@
                     <a:p>
                       <a:pPr algn="ctr" latinLnBrk="1"/>
                       <a:r>
-                        <a:rPr lang="ko-KR" altLang="en-US" sz="1700"/>
-                        <a:t>중간발표 준비</a:t>
+                        <a:rPr lang="ko-KR" altLang="en-US" sz="1700" dirty="0"/>
+                        <a:t>관광 자원 상세 정보 조회 구현 </a:t>
                       </a:r>
                     </a:p>
                   </a:txBody>
@@ -11272,7 +11288,7 @@
                     <a:lstStyle/>
                     <a:p>
                       <a:pPr algn="ctr" latinLnBrk="1"/>
-                      <a:endParaRPr lang="ko-KR" altLang="en-US" sz="1700"/>
+                      <a:endParaRPr lang="ko-KR" altLang="en-US" sz="1700" dirty="0"/>
                     </a:p>
                   </a:txBody>
                   <a:tcPr marL="87137" marR="87137" marT="43568" marB="43568"/>
